--- a/정혜지_포트폴리오.pptx
+++ b/정혜지_포트폴리오.pptx
@@ -1,8 +1,8 @@
 
 <file path=ppt/presentation.xml><?xml version="1.0" encoding="utf-8"?>
-<p:presentation xmlns:a="http://schemas.openxmlformats.org/drawingml/2006/main" xmlns:r="http://schemas.openxmlformats.org/officeDocument/2006/relationships" xmlns:p="http://schemas.openxmlformats.org/presentationml/2006/main" saveSubsetFonts="1">
+<p:presentation xmlns:r="http://schemas.openxmlformats.org/officeDocument/2006/relationships" xmlns:c="http://schemas.openxmlformats.org/drawingml/2006/chart" xmlns:a="http://schemas.openxmlformats.org/drawingml/2006/main" xmlns:dgm="http://schemas.openxmlformats.org/drawingml/2006/diagram" xmlns:dsp="http://schemas.microsoft.com/office/drawing/2008/diagram" xmlns:p="http://schemas.openxmlformats.org/presentationml/2006/main">
   <p:sldMasterIdLst>
-    <p:sldMasterId id="2147483648" r:id="rId1"/>
+    <p:sldMasterId id="2147483660" r:id="rId1"/>
   </p:sldMasterIdLst>
   <p:sldIdLst>
     <p:sldId id="262" r:id="rId2"/>
@@ -3343,7 +3343,7 @@
 </file>
 
 <file path=ppt/slides/slide2.xml><?xml version="1.0" encoding="utf-8"?>
-<p:sld xmlns:a="http://schemas.openxmlformats.org/drawingml/2006/main" xmlns:r="http://schemas.openxmlformats.org/officeDocument/2006/relationships" xmlns:p="http://schemas.openxmlformats.org/presentationml/2006/main">
+<p:sld xmlns:r="http://schemas.openxmlformats.org/officeDocument/2006/relationships" xmlns:c="http://schemas.openxmlformats.org/drawingml/2006/chart" xmlns:a="http://schemas.openxmlformats.org/drawingml/2006/main" xmlns:dgm="http://schemas.openxmlformats.org/drawingml/2006/diagram" xmlns:dsp="http://schemas.microsoft.com/office/drawing/2008/diagram" xmlns:p="http://schemas.openxmlformats.org/presentationml/2006/main">
   <p:cSld>
     <p:spTree>
       <p:nvGrpSpPr>
@@ -3374,7 +3374,7 @@
             <a:avLst/>
           </a:prstGeom>
           <a:solidFill>
-            <a:srgbClr val="F5EEE8"/>
+            <a:srgbClr val="f5eee8"/>
           </a:solidFill>
           <a:ln>
             <a:noFill/>
@@ -3397,10 +3397,12 @@
           </a:fontRef>
         </p:style>
         <p:txBody>
-          <a:bodyPr rtlCol="0" anchor="ctr"/>
-          <a:lstStyle/>
-          <a:p>
-            <a:pPr algn="ctr"/>
+          <a:bodyPr anchor="ctr"/>
+          <a:lstStyle/>
+          <a:p>
+            <a:pPr algn="ctr">
+              <a:defRPr/>
+            </a:pPr>
             <a:endParaRPr lang="ko-KR" altLang="en-US"/>
           </a:p>
         </p:txBody>
@@ -3420,7 +3422,7 @@
             <a:avLst/>
           </a:prstGeom>
           <a:solidFill>
-            <a:srgbClr val="F5EEE8"/>
+            <a:srgbClr val="f5eee8"/>
           </a:solidFill>
           <a:ln>
             <a:noFill/>
@@ -3443,10 +3445,12 @@
           </a:fontRef>
         </p:style>
         <p:txBody>
-          <a:bodyPr rtlCol="0" anchor="ctr"/>
-          <a:lstStyle/>
-          <a:p>
-            <a:pPr algn="ctr"/>
+          <a:bodyPr anchor="ctr"/>
+          <a:lstStyle/>
+          <a:p>
+            <a:pPr algn="ctr">
+              <a:defRPr/>
+            </a:pPr>
             <a:endParaRPr lang="ko-KR" altLang="en-US"/>
           </a:p>
         </p:txBody>
@@ -3459,7 +3463,7 @@
           </p:cNvPicPr>
           <p:nvPr/>
         </p:nvPicPr>
-        <p:blipFill>
+        <p:blipFill rotWithShape="1">
           <a:blip r:embed="rId2"/>
           <a:stretch>
             <a:fillRect/>
@@ -3475,16 +3479,43 @@
           </a:prstGeom>
         </p:spPr>
       </p:pic>
+      <p:pic>
+        <p:nvPicPr>
+          <p:cNvPr id="11" name=""/>
+          <p:cNvPicPr>
+            <a:picLocks noChangeAspect="1"/>
+          </p:cNvPicPr>
+          <p:nvPr/>
+        </p:nvPicPr>
+        <p:blipFill rotWithShape="1">
+          <a:blip r:embed="rId3"/>
+          <a:stretch>
+            <a:fillRect/>
+          </a:stretch>
+        </p:blipFill>
+        <p:spPr>
+          <a:xfrm>
+            <a:off x="3179056" y="4719707"/>
+            <a:ext cx="5075413" cy="1013335"/>
+          </a:xfrm>
+          <a:prstGeom prst="rect">
+            <a:avLst/>
+          </a:prstGeom>
+        </p:spPr>
+      </p:pic>
     </p:spTree>
-    <p:extLst>
-      <p:ext uri="{BB962C8B-B14F-4D97-AF65-F5344CB8AC3E}">
-        <p14:creationId xmlns:p14="http://schemas.microsoft.com/office/powerpoint/2010/main" val="723056729"/>
-      </p:ext>
-    </p:extLst>
   </p:cSld>
   <p:clrMapOvr>
     <a:masterClrMapping/>
   </p:clrMapOvr>
+  <mc:AlternateContent xmlns:mc="http://schemas.openxmlformats.org/markup-compatibility/2006">
+    <mc:Choice xmlns:p14="http://schemas.microsoft.com/office/powerpoint/2010/main" Requires="p14">
+      <p:transition xmlns:mc="http://schemas.openxmlformats.org/markup-compatibility/2006" xmlns:p14="http://schemas.microsoft.com/office/powerpoint/2010/main" mc:Ignorable="p14" p14:dur="500"/>
+    </mc:Choice>
+    <mc:Fallback>
+      <p:transition/>
+    </mc:Fallback>
+  </mc:AlternateContent>
   <p:timing>
     <p:tnLst>
       <p:par>
@@ -4353,44 +4384,44 @@
 </file>
 
 <file path=ppt/theme/theme1.xml><?xml version="1.0" encoding="utf-8"?>
-<a:theme xmlns:a="http://schemas.openxmlformats.org/drawingml/2006/main" name="Office 테마">
+<a:theme xmlns:r="http://schemas.openxmlformats.org/officeDocument/2006/relationships" xmlns:c="http://schemas.openxmlformats.org/drawingml/2006/chart" xmlns:dgm="http://schemas.openxmlformats.org/drawingml/2006/diagram" xmlns:dsp="http://schemas.microsoft.com/office/drawing/2008/diagram" xmlns:a="http://schemas.openxmlformats.org/drawingml/2006/main" xmlns:pic="http://schemas.openxmlformats.org/drawingml/2006/picture" xmlns:wp="http://schemas.openxmlformats.org/drawingml/2006/wordprocessingDrawing" xmlns:xdr="http://schemas.openxmlformats.org/drawingml/2006/spreadsheetDrawing" xmlns:lc="http://schemas.openxmlformats.org/drawingml/2006/lockedCanvas" xmlns:p="http://schemas.openxmlformats.org/presentationml/2006/main" name="Office 테마">
   <a:themeElements>
     <a:clrScheme name="Office">
       <a:dk1>
         <a:sysClr val="windowText" lastClr="000000"/>
       </a:dk1>
       <a:lt1>
-        <a:sysClr val="window" lastClr="FFFFFF"/>
+        <a:sysClr val="window" lastClr="ffffff"/>
       </a:lt1>
       <a:dk2>
-        <a:srgbClr val="44546A"/>
+        <a:srgbClr val="44546a"/>
       </a:dk2>
       <a:lt2>
-        <a:srgbClr val="E7E6E6"/>
+        <a:srgbClr val="e7e6e6"/>
       </a:lt2>
       <a:accent1>
-        <a:srgbClr val="5B9BD5"/>
+        <a:srgbClr val="5b9bd5"/>
       </a:accent1>
       <a:accent2>
-        <a:srgbClr val="ED7D31"/>
+        <a:srgbClr val="ed7d31"/>
       </a:accent2>
       <a:accent3>
-        <a:srgbClr val="A5A5A5"/>
+        <a:srgbClr val="a5a5a5"/>
       </a:accent3>
       <a:accent4>
-        <a:srgbClr val="FFC000"/>
+        <a:srgbClr val="ffc000"/>
       </a:accent4>
       <a:accent5>
-        <a:srgbClr val="4472C4"/>
+        <a:srgbClr val="4472c4"/>
       </a:accent5>
       <a:accent6>
-        <a:srgbClr val="70AD47"/>
+        <a:srgbClr val="70ad47"/>
       </a:accent6>
       <a:hlink>
-        <a:srgbClr val="0563C1"/>
+        <a:srgbClr val="0563c1"/>
       </a:hlink>
       <a:folHlink>
-        <a:srgbClr val="954F72"/>
+        <a:srgbClr val="954f72"/>
       </a:folHlink>
     </a:clrScheme>
     <a:fontScheme name="Office">
@@ -4398,7 +4429,7 @@
         <a:latin typeface="맑은 고딕" panose="020F0302020204030204"/>
         <a:ea typeface=""/>
         <a:cs typeface=""/>
-        <a:font script="Jpan" typeface="游ゴシック Light"/>
+        <a:font script="Jpan" typeface="Yu Gothic Light"/>
         <a:font script="Hang" typeface="맑은 고딕"/>
         <a:font script="Hans" typeface="等线 Light"/>
         <a:font script="Hant" typeface="新細明體"/>
@@ -4433,7 +4464,7 @@
         <a:latin typeface="맑은 고딕" panose="020F0502020204030204"/>
         <a:ea typeface=""/>
         <a:cs typeface=""/>
-        <a:font script="Jpan" typeface="游ゴシック"/>
+        <a:font script="Jpan" typeface="Yu Gothic"/>
         <a:font script="Hang" typeface="맑은 고딕"/>
         <a:font script="Hans" typeface="等线"/>
         <a:font script="Hant" typeface="新細明體"/>
@@ -4529,21 +4560,21 @@
             <a:schemeClr val="phClr"/>
           </a:solidFill>
           <a:prstDash val="solid"/>
-          <a:miter lim="800000"/>
+          <a:miter/>
         </a:ln>
         <a:ln w="12700" cap="flat" cmpd="sng" algn="ctr">
           <a:solidFill>
             <a:schemeClr val="phClr"/>
           </a:solidFill>
           <a:prstDash val="solid"/>
-          <a:miter lim="800000"/>
+          <a:miter/>
         </a:ln>
         <a:ln w="19050" cap="flat" cmpd="sng" algn="ctr">
           <a:solidFill>
             <a:schemeClr val="phClr"/>
           </a:solidFill>
           <a:prstDash val="solid"/>
-          <a:miter lim="800000"/>
+          <a:miter/>
         </a:ln>
       </a:lnStyleLst>
       <a:effectStyleLst>
@@ -4603,12 +4634,5 @@
       </a:bgFillStyleLst>
     </a:fmtScheme>
   </a:themeElements>
-  <a:objectDefaults/>
-  <a:extraClrSchemeLst/>
-  <a:extLst>
-    <a:ext uri="{05A4C25C-085E-4340-85A3-A5531E510DB2}">
-      <thm15:themeFamily xmlns:thm15="http://schemas.microsoft.com/office/thememl/2012/main" name="Office Theme" id="{62F939B6-93AF-4DB8-9C6B-D6C7DFDC589F}" vid="{4A3C46E8-61CC-4603-A589-7422A47A8E4A}"/>
-    </a:ext>
-  </a:extLst>
 </a:theme>
 </file>
--- a/정혜지_포트폴리오.pptx
+++ b/정혜지_포트폴리오.pptx
@@ -2,7 +2,7 @@
 <file path=ppt/presentation.xml><?xml version="1.0" encoding="utf-8"?>
 <p:presentation xmlns:r="http://schemas.openxmlformats.org/officeDocument/2006/relationships" xmlns:c="http://schemas.openxmlformats.org/drawingml/2006/chart" xmlns:a="http://schemas.openxmlformats.org/drawingml/2006/main" xmlns:dgm="http://schemas.openxmlformats.org/drawingml/2006/diagram" xmlns:dsp="http://schemas.microsoft.com/office/drawing/2008/diagram" xmlns:p="http://schemas.openxmlformats.org/presentationml/2006/main">
   <p:sldMasterIdLst>
-    <p:sldMasterId id="2147483660" r:id="rId1"/>
+    <p:sldMasterId id="2147483661" r:id="rId1"/>
   </p:sldMasterIdLst>
   <p:sldIdLst>
     <p:sldId id="262" r:id="rId2"/>
@@ -2953,7 +2953,7 @@
 </file>
 
 <file path=ppt/slides/slide1.xml><?xml version="1.0" encoding="utf-8"?>
-<p:sld xmlns:a="http://schemas.openxmlformats.org/drawingml/2006/main" xmlns:r="http://schemas.openxmlformats.org/officeDocument/2006/relationships" xmlns:p="http://schemas.openxmlformats.org/presentationml/2006/main">
+<p:sld xmlns:r="http://schemas.openxmlformats.org/officeDocument/2006/relationships" xmlns:c="http://schemas.openxmlformats.org/drawingml/2006/chart" xmlns:a="http://schemas.openxmlformats.org/drawingml/2006/main" xmlns:dgm="http://schemas.openxmlformats.org/drawingml/2006/diagram" xmlns:dsp="http://schemas.microsoft.com/office/drawing/2008/diagram" xmlns:p="http://schemas.openxmlformats.org/presentationml/2006/main">
   <p:cSld>
     <p:spTree>
       <p:nvGrpSpPr>
@@ -2971,98 +2971,6 @@
       </p:grpSpPr>
       <p:sp>
         <p:nvSpPr>
-          <p:cNvPr id="3" name="직사각형 2"/>
-          <p:cNvSpPr/>
-          <p:nvPr/>
-        </p:nvSpPr>
-        <p:spPr>
-          <a:xfrm>
-            <a:off x="0" y="0"/>
-            <a:ext cx="12259021" cy="5995512"/>
-          </a:xfrm>
-          <a:prstGeom prst="rect">
-            <a:avLst/>
-          </a:prstGeom>
-          <a:solidFill>
-            <a:srgbClr val="F5EEE8"/>
-          </a:solidFill>
-          <a:ln>
-            <a:noFill/>
-          </a:ln>
-        </p:spPr>
-        <p:style>
-          <a:lnRef idx="2">
-            <a:schemeClr val="accent1">
-              <a:shade val="50000"/>
-            </a:schemeClr>
-          </a:lnRef>
-          <a:fillRef idx="1">
-            <a:schemeClr val="accent1"/>
-          </a:fillRef>
-          <a:effectRef idx="0">
-            <a:schemeClr val="accent1"/>
-          </a:effectRef>
-          <a:fontRef idx="minor">
-            <a:schemeClr val="lt1"/>
-          </a:fontRef>
-        </p:style>
-        <p:txBody>
-          <a:bodyPr rtlCol="0" anchor="ctr"/>
-          <a:lstStyle/>
-          <a:p>
-            <a:pPr algn="ctr"/>
-            <a:endParaRPr lang="ko-KR" altLang="en-US"/>
-          </a:p>
-        </p:txBody>
-      </p:sp>
-      <p:sp>
-        <p:nvSpPr>
-          <p:cNvPr id="8" name="직사각형 7"/>
-          <p:cNvSpPr/>
-          <p:nvPr/>
-        </p:nvSpPr>
-        <p:spPr>
-          <a:xfrm>
-            <a:off x="0" y="5687069"/>
-            <a:ext cx="12192000" cy="1170931"/>
-          </a:xfrm>
-          <a:prstGeom prst="rect">
-            <a:avLst/>
-          </a:prstGeom>
-          <a:solidFill>
-            <a:srgbClr val="F5EEE8"/>
-          </a:solidFill>
-          <a:ln>
-            <a:noFill/>
-          </a:ln>
-        </p:spPr>
-        <p:style>
-          <a:lnRef idx="2">
-            <a:schemeClr val="accent1">
-              <a:shade val="50000"/>
-            </a:schemeClr>
-          </a:lnRef>
-          <a:fillRef idx="1">
-            <a:schemeClr val="accent1"/>
-          </a:fillRef>
-          <a:effectRef idx="0">
-            <a:schemeClr val="accent1"/>
-          </a:effectRef>
-          <a:fontRef idx="minor">
-            <a:schemeClr val="lt1"/>
-          </a:fontRef>
-        </p:style>
-        <p:txBody>
-          <a:bodyPr rtlCol="0" anchor="ctr"/>
-          <a:lstStyle/>
-          <a:p>
-            <a:pPr algn="ctr"/>
-            <a:endParaRPr lang="ko-KR" altLang="en-US"/>
-          </a:p>
-        </p:txBody>
-      </p:sp>
-      <p:sp>
-        <p:nvSpPr>
           <p:cNvPr id="4" name="TextBox 3"/>
           <p:cNvSpPr txBox="1"/>
           <p:nvPr/>
@@ -3078,211 +2986,30 @@
           <a:noFill/>
         </p:spPr>
         <p:txBody>
-          <a:bodyPr wrap="square" rtlCol="0">
+          <a:bodyPr wrap="square">
             <a:spAutoFit/>
           </a:bodyPr>
           <a:lstStyle/>
           <a:p>
-            <a:endParaRPr lang="en-US" altLang="ko-KR" sz="1400" b="1" dirty="0" smtClean="0">
-              <a:latin typeface="나눔스퀘어 네오 Bold" panose="00000800000000000000" pitchFamily="2" charset="-127"/>
-              <a:ea typeface="나눔스퀘어 네오 Bold" panose="00000800000000000000" pitchFamily="2" charset="-127"/>
+            <a:pPr lvl="0">
+              <a:defRPr/>
+            </a:pPr>
+            <a:endParaRPr lang="en-US" altLang="ko-KR" sz="1400" b="1">
+              <a:latin typeface="나눔스퀘어 네오 Bold"/>
+              <a:ea typeface="나눔스퀘어 네오 Bold"/>
             </a:endParaRPr>
           </a:p>
         </p:txBody>
       </p:sp>
-      <p:sp>
-        <p:nvSpPr>
-          <p:cNvPr id="6" name="TextBox 5"/>
-          <p:cNvSpPr txBox="1"/>
-          <p:nvPr/>
-        </p:nvSpPr>
-        <p:spPr>
-          <a:xfrm>
-            <a:off x="480377" y="881303"/>
-            <a:ext cx="2612571" cy="707886"/>
-          </a:xfrm>
-          <a:prstGeom prst="rect">
-            <a:avLst/>
-          </a:prstGeom>
-          <a:noFill/>
-        </p:spPr>
-        <p:txBody>
-          <a:bodyPr wrap="square" rtlCol="0">
-            <a:spAutoFit/>
-          </a:bodyPr>
-          <a:lstStyle/>
-          <a:p>
-            <a:pPr algn="ctr"/>
-            <a:r>
-              <a:rPr lang="ko-KR" altLang="en-US" sz="4000" dirty="0" smtClean="0">
-                <a:solidFill>
-                  <a:srgbClr val="1C1C1C"/>
-                </a:solidFill>
-                <a:latin typeface="AppleSDGothicNeoSB00" panose="02000503000000000000" pitchFamily="2" charset="-127"/>
-                <a:ea typeface="AppleSDGothicNeoSB00" panose="02000503000000000000" pitchFamily="2" charset="-127"/>
-              </a:rPr>
-              <a:t>안녕하세요</a:t>
-            </a:r>
-            <a:r>
-              <a:rPr lang="en-US" altLang="ko-KR" sz="4000" dirty="0" smtClean="0">
-                <a:solidFill>
-                  <a:srgbClr val="1C1C1C"/>
-                </a:solidFill>
-                <a:latin typeface="AppleSDGothicNeoSB00" panose="02000503000000000000" pitchFamily="2" charset="-127"/>
-                <a:ea typeface="AppleSDGothicNeoSB00" panose="02000503000000000000" pitchFamily="2" charset="-127"/>
-              </a:rPr>
-              <a:t>!</a:t>
-            </a:r>
-          </a:p>
-        </p:txBody>
-      </p:sp>
-      <p:sp>
-        <p:nvSpPr>
-          <p:cNvPr id="7" name="TextBox 6"/>
-          <p:cNvSpPr txBox="1"/>
-          <p:nvPr/>
-        </p:nvSpPr>
-        <p:spPr>
-          <a:xfrm rot="5400000">
-            <a:off x="8014112" y="2731337"/>
-            <a:ext cx="6909225" cy="1446550"/>
-          </a:xfrm>
-          <a:prstGeom prst="rect">
-            <a:avLst/>
-          </a:prstGeom>
-          <a:noFill/>
-        </p:spPr>
-        <p:txBody>
-          <a:bodyPr wrap="square" rtlCol="0">
-            <a:spAutoFit/>
-          </a:bodyPr>
-          <a:lstStyle/>
-          <a:p>
-            <a:pPr algn="ctr"/>
-            <a:r>
-              <a:rPr lang="en-US" altLang="ko-KR" sz="8800" b="1" dirty="0" smtClean="0">
-                <a:latin typeface="Bell MT" panose="02020503060305020303" pitchFamily="18" charset="0"/>
-                <a:ea typeface="나눔스퀘어 네오 ExtraBold" panose="00000900000000000000" pitchFamily="2" charset="-127"/>
-              </a:rPr>
-              <a:t>PORTFOLIO</a:t>
-            </a:r>
-          </a:p>
-        </p:txBody>
-      </p:sp>
-      <p:cxnSp>
-        <p:nvCxnSpPr>
-          <p:cNvPr id="9" name="직선 연결선 8"/>
-          <p:cNvCxnSpPr/>
-          <p:nvPr/>
-        </p:nvCxnSpPr>
-        <p:spPr>
-          <a:xfrm>
-            <a:off x="662474" y="1589189"/>
-            <a:ext cx="6195526" cy="0"/>
-          </a:xfrm>
-          <a:prstGeom prst="line">
-            <a:avLst/>
-          </a:prstGeom>
-          <a:ln>
-            <a:solidFill>
-              <a:schemeClr val="tx1"/>
-            </a:solidFill>
-          </a:ln>
-        </p:spPr>
-        <p:style>
-          <a:lnRef idx="1">
-            <a:schemeClr val="accent1"/>
-          </a:lnRef>
-          <a:fillRef idx="0">
-            <a:schemeClr val="accent1"/>
-          </a:fillRef>
-          <a:effectRef idx="0">
-            <a:schemeClr val="accent1"/>
-          </a:effectRef>
-          <a:fontRef idx="minor">
-            <a:schemeClr val="tx1"/>
-          </a:fontRef>
-        </p:style>
-      </p:cxnSp>
-      <p:cxnSp>
-        <p:nvCxnSpPr>
-          <p:cNvPr id="11" name="직선 연결선 10"/>
-          <p:cNvCxnSpPr/>
-          <p:nvPr/>
-        </p:nvCxnSpPr>
-        <p:spPr>
-          <a:xfrm>
-            <a:off x="10795519" y="-3"/>
-            <a:ext cx="0" cy="6858000"/>
-          </a:xfrm>
-          <a:prstGeom prst="line">
-            <a:avLst/>
-          </a:prstGeom>
-          <a:ln>
-            <a:solidFill>
-              <a:schemeClr val="tx1"/>
-            </a:solidFill>
-          </a:ln>
-        </p:spPr>
-        <p:style>
-          <a:lnRef idx="1">
-            <a:schemeClr val="accent1"/>
-          </a:lnRef>
-          <a:fillRef idx="0">
-            <a:schemeClr val="accent1"/>
-          </a:fillRef>
-          <a:effectRef idx="0">
-            <a:schemeClr val="accent1"/>
-          </a:effectRef>
-          <a:fontRef idx="minor">
-            <a:schemeClr val="tx1"/>
-          </a:fontRef>
-        </p:style>
-      </p:cxnSp>
-      <p:cxnSp>
-        <p:nvCxnSpPr>
-          <p:cNvPr id="13" name="직선 연결선 12"/>
-          <p:cNvCxnSpPr/>
-          <p:nvPr/>
-        </p:nvCxnSpPr>
-        <p:spPr>
-          <a:xfrm>
-            <a:off x="662474" y="5277891"/>
-            <a:ext cx="6279502" cy="0"/>
-          </a:xfrm>
-          <a:prstGeom prst="line">
-            <a:avLst/>
-          </a:prstGeom>
-          <a:ln>
-            <a:solidFill>
-              <a:schemeClr val="tx1"/>
-            </a:solidFill>
-          </a:ln>
-        </p:spPr>
-        <p:style>
-          <a:lnRef idx="1">
-            <a:schemeClr val="accent1"/>
-          </a:lnRef>
-          <a:fillRef idx="0">
-            <a:schemeClr val="accent1"/>
-          </a:fillRef>
-          <a:effectRef idx="0">
-            <a:schemeClr val="accent1"/>
-          </a:effectRef>
-          <a:fontRef idx="minor">
-            <a:schemeClr val="tx1"/>
-          </a:fontRef>
-        </p:style>
-      </p:cxnSp>
       <p:pic>
         <p:nvPicPr>
-          <p:cNvPr id="15" name="그림 14"/>
+          <p:cNvPr id="17" name=""/>
           <p:cNvPicPr>
             <a:picLocks noChangeAspect="1"/>
           </p:cNvPicPr>
           <p:nvPr/>
         </p:nvPicPr>
-        <p:blipFill>
+        <p:blipFill rotWithShape="1">
           <a:blip r:embed="rId2"/>
           <a:stretch>
             <a:fillRect/>
@@ -3290,32 +3017,8 @@
         </p:blipFill>
         <p:spPr>
           <a:xfrm>
-            <a:off x="480377" y="1717124"/>
-            <a:ext cx="6763429" cy="3345739"/>
-          </a:xfrm>
-          <a:prstGeom prst="rect">
-            <a:avLst/>
-          </a:prstGeom>
-        </p:spPr>
-      </p:pic>
-      <p:pic>
-        <p:nvPicPr>
-          <p:cNvPr id="16" name="그림 15"/>
-          <p:cNvPicPr>
-            <a:picLocks noChangeAspect="1"/>
-          </p:cNvPicPr>
-          <p:nvPr/>
-        </p:nvPicPr>
-        <p:blipFill>
-          <a:blip r:embed="rId3"/>
-          <a:stretch>
-            <a:fillRect/>
-          </a:stretch>
-        </p:blipFill>
-        <p:spPr>
-          <a:xfrm>
-            <a:off x="583455" y="6408102"/>
-            <a:ext cx="1387162" cy="225963"/>
+            <a:off x="11722" y="0"/>
+            <a:ext cx="12180277" cy="6858000"/>
           </a:xfrm>
           <a:prstGeom prst="rect">
             <a:avLst/>
@@ -3323,15 +3026,18 @@
         </p:spPr>
       </p:pic>
     </p:spTree>
-    <p:extLst>
-      <p:ext uri="{BB962C8B-B14F-4D97-AF65-F5344CB8AC3E}">
-        <p14:creationId xmlns:p14="http://schemas.microsoft.com/office/powerpoint/2010/main" val="202907691"/>
-      </p:ext>
-    </p:extLst>
   </p:cSld>
   <p:clrMapOvr>
     <a:masterClrMapping/>
   </p:clrMapOvr>
+  <mc:AlternateContent xmlns:mc="http://schemas.openxmlformats.org/markup-compatibility/2006">
+    <mc:Choice xmlns:p14="http://schemas.microsoft.com/office/powerpoint/2010/main" Requires="p14">
+      <p:transition xmlns:mc="http://schemas.openxmlformats.org/markup-compatibility/2006" xmlns:p14="http://schemas.microsoft.com/office/powerpoint/2010/main" mc:Ignorable="p14" p14:dur="500"/>
+    </mc:Choice>
+    <mc:Fallback>
+      <p:transition/>
+    </mc:Fallback>
+  </mc:AlternateContent>
   <p:timing>
     <p:tnLst>
       <p:par>
@@ -3359,105 +3065,9 @@
           <a:chExt cx="0" cy="0"/>
         </a:xfrm>
       </p:grpSpPr>
-      <p:sp>
-        <p:nvSpPr>
-          <p:cNvPr id="3" name="직사각형 2"/>
-          <p:cNvSpPr/>
-          <p:nvPr/>
-        </p:nvSpPr>
-        <p:spPr>
-          <a:xfrm>
-            <a:off x="0" y="-23920"/>
-            <a:ext cx="12192000" cy="980902"/>
-          </a:xfrm>
-          <a:prstGeom prst="rect">
-            <a:avLst/>
-          </a:prstGeom>
-          <a:solidFill>
-            <a:srgbClr val="f5eee8"/>
-          </a:solidFill>
-          <a:ln>
-            <a:noFill/>
-          </a:ln>
-        </p:spPr>
-        <p:style>
-          <a:lnRef idx="2">
-            <a:schemeClr val="accent1">
-              <a:shade val="50000"/>
-            </a:schemeClr>
-          </a:lnRef>
-          <a:fillRef idx="1">
-            <a:schemeClr val="accent1"/>
-          </a:fillRef>
-          <a:effectRef idx="0">
-            <a:schemeClr val="accent1"/>
-          </a:effectRef>
-          <a:fontRef idx="minor">
-            <a:schemeClr val="lt1"/>
-          </a:fontRef>
-        </p:style>
-        <p:txBody>
-          <a:bodyPr anchor="ctr"/>
-          <a:lstStyle/>
-          <a:p>
-            <a:pPr algn="ctr">
-              <a:defRPr/>
-            </a:pPr>
-            <a:endParaRPr lang="ko-KR" altLang="en-US"/>
-          </a:p>
-        </p:txBody>
-      </p:sp>
-      <p:sp>
-        <p:nvSpPr>
-          <p:cNvPr id="8" name="직사각형 7"/>
-          <p:cNvSpPr/>
-          <p:nvPr/>
-        </p:nvSpPr>
-        <p:spPr>
-          <a:xfrm>
-            <a:off x="0" y="5877098"/>
-            <a:ext cx="12192000" cy="980902"/>
-          </a:xfrm>
-          <a:prstGeom prst="rect">
-            <a:avLst/>
-          </a:prstGeom>
-          <a:solidFill>
-            <a:srgbClr val="f5eee8"/>
-          </a:solidFill>
-          <a:ln>
-            <a:noFill/>
-          </a:ln>
-        </p:spPr>
-        <p:style>
-          <a:lnRef idx="2">
-            <a:schemeClr val="accent1">
-              <a:shade val="50000"/>
-            </a:schemeClr>
-          </a:lnRef>
-          <a:fillRef idx="1">
-            <a:schemeClr val="accent1"/>
-          </a:fillRef>
-          <a:effectRef idx="0">
-            <a:schemeClr val="accent1"/>
-          </a:effectRef>
-          <a:fontRef idx="minor">
-            <a:schemeClr val="lt1"/>
-          </a:fontRef>
-        </p:style>
-        <p:txBody>
-          <a:bodyPr anchor="ctr"/>
-          <a:lstStyle/>
-          <a:p>
-            <a:pPr algn="ctr">
-              <a:defRPr/>
-            </a:pPr>
-            <a:endParaRPr lang="ko-KR" altLang="en-US"/>
-          </a:p>
-        </p:txBody>
-      </p:sp>
       <p:pic>
         <p:nvPicPr>
-          <p:cNvPr id="10" name="그림 9"/>
+          <p:cNvPr id="13" name=""/>
           <p:cNvPicPr>
             <a:picLocks noChangeAspect="1"/>
           </p:cNvPicPr>
@@ -3471,32 +3081,8 @@
         </p:blipFill>
         <p:spPr>
           <a:xfrm>
-            <a:off x="0" y="375241"/>
-            <a:ext cx="12192000" cy="6134501"/>
-          </a:xfrm>
-          <a:prstGeom prst="rect">
-            <a:avLst/>
-          </a:prstGeom>
-        </p:spPr>
-      </p:pic>
-      <p:pic>
-        <p:nvPicPr>
-          <p:cNvPr id="11" name=""/>
-          <p:cNvPicPr>
-            <a:picLocks noChangeAspect="1"/>
-          </p:cNvPicPr>
-          <p:nvPr/>
-        </p:nvPicPr>
-        <p:blipFill rotWithShape="1">
-          <a:blip r:embed="rId3"/>
-          <a:stretch>
-            <a:fillRect/>
-          </a:stretch>
-        </p:blipFill>
-        <p:spPr>
-          <a:xfrm>
-            <a:off x="3179056" y="4719707"/>
-            <a:ext cx="5075413" cy="1013335"/>
+            <a:off x="11722" y="0"/>
+            <a:ext cx="12180277" cy="6858000"/>
           </a:xfrm>
           <a:prstGeom prst="rect">
             <a:avLst/>
@@ -3527,7 +3113,7 @@
 </file>
 
 <file path=ppt/slides/slide3.xml><?xml version="1.0" encoding="utf-8"?>
-<p:sld xmlns:a="http://schemas.openxmlformats.org/drawingml/2006/main" xmlns:r="http://schemas.openxmlformats.org/officeDocument/2006/relationships" xmlns:p="http://schemas.openxmlformats.org/presentationml/2006/main">
+<p:sld xmlns:r="http://schemas.openxmlformats.org/officeDocument/2006/relationships" xmlns:c="http://schemas.openxmlformats.org/drawingml/2006/chart" xmlns:a="http://schemas.openxmlformats.org/drawingml/2006/main" xmlns:dgm="http://schemas.openxmlformats.org/drawingml/2006/diagram" xmlns:dsp="http://schemas.microsoft.com/office/drawing/2008/diagram" xmlns:p="http://schemas.openxmlformats.org/presentationml/2006/main">
   <p:cSld>
     <p:spTree>
       <p:nvGrpSpPr>
@@ -3543,107 +3129,15 @@
           <a:chExt cx="0" cy="0"/>
         </a:xfrm>
       </p:grpSpPr>
-      <p:sp>
-        <p:nvSpPr>
-          <p:cNvPr id="3" name="직사각형 2"/>
-          <p:cNvSpPr/>
-          <p:nvPr/>
-        </p:nvSpPr>
-        <p:spPr>
-          <a:xfrm>
-            <a:off x="0" y="-23920"/>
-            <a:ext cx="12192000" cy="980902"/>
-          </a:xfrm>
-          <a:prstGeom prst="rect">
-            <a:avLst/>
-          </a:prstGeom>
-          <a:solidFill>
-            <a:srgbClr val="F5EEE8"/>
-          </a:solidFill>
-          <a:ln>
-            <a:noFill/>
-          </a:ln>
-        </p:spPr>
-        <p:style>
-          <a:lnRef idx="2">
-            <a:schemeClr val="accent1">
-              <a:shade val="50000"/>
-            </a:schemeClr>
-          </a:lnRef>
-          <a:fillRef idx="1">
-            <a:schemeClr val="accent1"/>
-          </a:fillRef>
-          <a:effectRef idx="0">
-            <a:schemeClr val="accent1"/>
-          </a:effectRef>
-          <a:fontRef idx="minor">
-            <a:schemeClr val="lt1"/>
-          </a:fontRef>
-        </p:style>
-        <p:txBody>
-          <a:bodyPr rtlCol="0" anchor="ctr"/>
-          <a:lstStyle/>
-          <a:p>
-            <a:pPr algn="ctr"/>
-            <a:endParaRPr lang="ko-KR" altLang="en-US"/>
-          </a:p>
-        </p:txBody>
-      </p:sp>
-      <p:sp>
-        <p:nvSpPr>
-          <p:cNvPr id="8" name="직사각형 7"/>
-          <p:cNvSpPr/>
-          <p:nvPr/>
-        </p:nvSpPr>
-        <p:spPr>
-          <a:xfrm>
-            <a:off x="0" y="5687069"/>
-            <a:ext cx="12192000" cy="1170931"/>
-          </a:xfrm>
-          <a:prstGeom prst="rect">
-            <a:avLst/>
-          </a:prstGeom>
-          <a:solidFill>
-            <a:srgbClr val="F5EEE8"/>
-          </a:solidFill>
-          <a:ln>
-            <a:noFill/>
-          </a:ln>
-        </p:spPr>
-        <p:style>
-          <a:lnRef idx="2">
-            <a:schemeClr val="accent1">
-              <a:shade val="50000"/>
-            </a:schemeClr>
-          </a:lnRef>
-          <a:fillRef idx="1">
-            <a:schemeClr val="accent1"/>
-          </a:fillRef>
-          <a:effectRef idx="0">
-            <a:schemeClr val="accent1"/>
-          </a:effectRef>
-          <a:fontRef idx="minor">
-            <a:schemeClr val="lt1"/>
-          </a:fontRef>
-        </p:style>
-        <p:txBody>
-          <a:bodyPr rtlCol="0" anchor="ctr"/>
-          <a:lstStyle/>
-          <a:p>
-            <a:pPr algn="ctr"/>
-            <a:endParaRPr lang="ko-KR" altLang="en-US"/>
-          </a:p>
-        </p:txBody>
-      </p:sp>
       <p:pic>
         <p:nvPicPr>
-          <p:cNvPr id="2" name="그림 1"/>
+          <p:cNvPr id="9" name=""/>
           <p:cNvPicPr>
             <a:picLocks noChangeAspect="1"/>
           </p:cNvPicPr>
           <p:nvPr/>
         </p:nvPicPr>
-        <p:blipFill>
+        <p:blipFill rotWithShape="1">
           <a:blip r:embed="rId2"/>
           <a:stretch>
             <a:fillRect/>
@@ -3651,8 +3145,8 @@
         </p:blipFill>
         <p:spPr>
           <a:xfrm>
-            <a:off x="0" y="-23920"/>
-            <a:ext cx="12192000" cy="5710989"/>
+            <a:off x="11722" y="0"/>
+            <a:ext cx="12180277" cy="6858000"/>
           </a:xfrm>
           <a:prstGeom prst="rect">
             <a:avLst/>
@@ -3660,15 +3154,18 @@
         </p:spPr>
       </p:pic>
     </p:spTree>
-    <p:extLst>
-      <p:ext uri="{BB962C8B-B14F-4D97-AF65-F5344CB8AC3E}">
-        <p14:creationId xmlns:p14="http://schemas.microsoft.com/office/powerpoint/2010/main" val="2221134748"/>
-      </p:ext>
-    </p:extLst>
   </p:cSld>
   <p:clrMapOvr>
     <a:masterClrMapping/>
   </p:clrMapOvr>
+  <mc:AlternateContent xmlns:mc="http://schemas.openxmlformats.org/markup-compatibility/2006">
+    <mc:Choice xmlns:p14="http://schemas.microsoft.com/office/powerpoint/2010/main" Requires="p14">
+      <p:transition xmlns:mc="http://schemas.openxmlformats.org/markup-compatibility/2006" xmlns:p14="http://schemas.microsoft.com/office/powerpoint/2010/main" mc:Ignorable="p14" p14:dur="500"/>
+    </mc:Choice>
+    <mc:Fallback>
+      <p:transition/>
+    </mc:Fallback>
+  </mc:AlternateContent>
   <p:timing>
     <p:tnLst>
       <p:par>
@@ -3680,7 +3177,7 @@
 </file>
 
 <file path=ppt/slides/slide4.xml><?xml version="1.0" encoding="utf-8"?>
-<p:sld xmlns:a="http://schemas.openxmlformats.org/drawingml/2006/main" xmlns:r="http://schemas.openxmlformats.org/officeDocument/2006/relationships" xmlns:p="http://schemas.openxmlformats.org/presentationml/2006/main">
+<p:sld xmlns:r="http://schemas.openxmlformats.org/officeDocument/2006/relationships" xmlns:c="http://schemas.openxmlformats.org/drawingml/2006/chart" xmlns:a="http://schemas.openxmlformats.org/drawingml/2006/main" xmlns:dgm="http://schemas.openxmlformats.org/drawingml/2006/diagram" xmlns:dsp="http://schemas.microsoft.com/office/drawing/2008/diagram" xmlns:p="http://schemas.openxmlformats.org/presentationml/2006/main">
   <p:cSld>
     <p:spTree>
       <p:nvGrpSpPr>
@@ -3696,107 +3193,15 @@
           <a:chExt cx="0" cy="0"/>
         </a:xfrm>
       </p:grpSpPr>
-      <p:sp>
-        <p:nvSpPr>
-          <p:cNvPr id="3" name="직사각형 2"/>
-          <p:cNvSpPr/>
-          <p:nvPr/>
-        </p:nvSpPr>
-        <p:spPr>
-          <a:xfrm>
-            <a:off x="0" y="-23920"/>
-            <a:ext cx="12192000" cy="980902"/>
-          </a:xfrm>
-          <a:prstGeom prst="rect">
-            <a:avLst/>
-          </a:prstGeom>
-          <a:solidFill>
-            <a:srgbClr val="F5EEE8"/>
-          </a:solidFill>
-          <a:ln>
-            <a:noFill/>
-          </a:ln>
-        </p:spPr>
-        <p:style>
-          <a:lnRef idx="2">
-            <a:schemeClr val="accent1">
-              <a:shade val="50000"/>
-            </a:schemeClr>
-          </a:lnRef>
-          <a:fillRef idx="1">
-            <a:schemeClr val="accent1"/>
-          </a:fillRef>
-          <a:effectRef idx="0">
-            <a:schemeClr val="accent1"/>
-          </a:effectRef>
-          <a:fontRef idx="minor">
-            <a:schemeClr val="lt1"/>
-          </a:fontRef>
-        </p:style>
-        <p:txBody>
-          <a:bodyPr rtlCol="0" anchor="ctr"/>
-          <a:lstStyle/>
-          <a:p>
-            <a:pPr algn="ctr"/>
-            <a:endParaRPr lang="ko-KR" altLang="en-US"/>
-          </a:p>
-        </p:txBody>
-      </p:sp>
-      <p:sp>
-        <p:nvSpPr>
-          <p:cNvPr id="8" name="직사각형 7"/>
-          <p:cNvSpPr/>
-          <p:nvPr/>
-        </p:nvSpPr>
-        <p:spPr>
-          <a:xfrm>
-            <a:off x="0" y="5687069"/>
-            <a:ext cx="12192000" cy="1170931"/>
-          </a:xfrm>
-          <a:prstGeom prst="rect">
-            <a:avLst/>
-          </a:prstGeom>
-          <a:solidFill>
-            <a:srgbClr val="F5EEE8"/>
-          </a:solidFill>
-          <a:ln>
-            <a:noFill/>
-          </a:ln>
-        </p:spPr>
-        <p:style>
-          <a:lnRef idx="2">
-            <a:schemeClr val="accent1">
-              <a:shade val="50000"/>
-            </a:schemeClr>
-          </a:lnRef>
-          <a:fillRef idx="1">
-            <a:schemeClr val="accent1"/>
-          </a:fillRef>
-          <a:effectRef idx="0">
-            <a:schemeClr val="accent1"/>
-          </a:effectRef>
-          <a:fontRef idx="minor">
-            <a:schemeClr val="lt1"/>
-          </a:fontRef>
-        </p:style>
-        <p:txBody>
-          <a:bodyPr rtlCol="0" anchor="ctr"/>
-          <a:lstStyle/>
-          <a:p>
-            <a:pPr algn="ctr"/>
-            <a:endParaRPr lang="ko-KR" altLang="en-US"/>
-          </a:p>
-        </p:txBody>
-      </p:sp>
       <p:pic>
         <p:nvPicPr>
-          <p:cNvPr id="6" name="그림 5"/>
+          <p:cNvPr id="9" name=""/>
           <p:cNvPicPr>
             <a:picLocks noChangeAspect="1"/>
           </p:cNvPicPr>
           <p:nvPr/>
         </p:nvPicPr>
-        <p:blipFill>
+        <p:blipFill rotWithShape="1">
           <a:blip r:embed="rId2"/>
           <a:stretch>
             <a:fillRect/>
@@ -3804,8 +3209,8 @@
         </p:blipFill>
         <p:spPr>
           <a:xfrm>
-            <a:off x="0" y="-23920"/>
-            <a:ext cx="12192000" cy="6157056"/>
+            <a:off x="11722" y="0"/>
+            <a:ext cx="12180277" cy="6858000"/>
           </a:xfrm>
           <a:prstGeom prst="rect">
             <a:avLst/>
@@ -3813,15 +3218,18 @@
         </p:spPr>
       </p:pic>
     </p:spTree>
-    <p:extLst>
-      <p:ext uri="{BB962C8B-B14F-4D97-AF65-F5344CB8AC3E}">
-        <p14:creationId xmlns:p14="http://schemas.microsoft.com/office/powerpoint/2010/main" val="3042992169"/>
-      </p:ext>
-    </p:extLst>
   </p:cSld>
   <p:clrMapOvr>
     <a:masterClrMapping/>
   </p:clrMapOvr>
+  <mc:AlternateContent xmlns:mc="http://schemas.openxmlformats.org/markup-compatibility/2006">
+    <mc:Choice xmlns:p14="http://schemas.microsoft.com/office/powerpoint/2010/main" Requires="p14">
+      <p:transition xmlns:mc="http://schemas.openxmlformats.org/markup-compatibility/2006" xmlns:p14="http://schemas.microsoft.com/office/powerpoint/2010/main" mc:Ignorable="p14" p14:dur="500"/>
+    </mc:Choice>
+    <mc:Fallback>
+      <p:transition/>
+    </mc:Fallback>
+  </mc:AlternateContent>
   <p:timing>
     <p:tnLst>
       <p:par>
@@ -3833,7 +3241,7 @@
 </file>
 
 <file path=ppt/slides/slide5.xml><?xml version="1.0" encoding="utf-8"?>
-<p:sld xmlns:a="http://schemas.openxmlformats.org/drawingml/2006/main" xmlns:r="http://schemas.openxmlformats.org/officeDocument/2006/relationships" xmlns:p="http://schemas.openxmlformats.org/presentationml/2006/main">
+<p:sld xmlns:r="http://schemas.openxmlformats.org/officeDocument/2006/relationships" xmlns:c="http://schemas.openxmlformats.org/drawingml/2006/chart" xmlns:a="http://schemas.openxmlformats.org/drawingml/2006/main" xmlns:dgm="http://schemas.openxmlformats.org/drawingml/2006/diagram" xmlns:dsp="http://schemas.microsoft.com/office/drawing/2008/diagram" xmlns:p="http://schemas.openxmlformats.org/presentationml/2006/main">
   <p:cSld>
     <p:spTree>
       <p:nvGrpSpPr>
@@ -3849,101 +3257,9 @@
           <a:chExt cx="0" cy="0"/>
         </a:xfrm>
       </p:grpSpPr>
-      <p:sp>
-        <p:nvSpPr>
-          <p:cNvPr id="3" name="직사각형 2"/>
-          <p:cNvSpPr/>
-          <p:nvPr/>
-        </p:nvSpPr>
-        <p:spPr>
-          <a:xfrm>
-            <a:off x="0" y="-23920"/>
-            <a:ext cx="12192000" cy="980902"/>
-          </a:xfrm>
-          <a:prstGeom prst="rect">
-            <a:avLst/>
-          </a:prstGeom>
-          <a:solidFill>
-            <a:srgbClr val="F5EEE8"/>
-          </a:solidFill>
-          <a:ln>
-            <a:noFill/>
-          </a:ln>
-        </p:spPr>
-        <p:style>
-          <a:lnRef idx="2">
-            <a:schemeClr val="accent1">
-              <a:shade val="50000"/>
-            </a:schemeClr>
-          </a:lnRef>
-          <a:fillRef idx="1">
-            <a:schemeClr val="accent1"/>
-          </a:fillRef>
-          <a:effectRef idx="0">
-            <a:schemeClr val="accent1"/>
-          </a:effectRef>
-          <a:fontRef idx="minor">
-            <a:schemeClr val="lt1"/>
-          </a:fontRef>
-        </p:style>
-        <p:txBody>
-          <a:bodyPr rtlCol="0" anchor="ctr"/>
-          <a:lstStyle/>
-          <a:p>
-            <a:pPr algn="ctr"/>
-            <a:endParaRPr lang="ko-KR" altLang="en-US"/>
-          </a:p>
-        </p:txBody>
-      </p:sp>
-      <p:sp>
-        <p:nvSpPr>
-          <p:cNvPr id="8" name="직사각형 7"/>
-          <p:cNvSpPr/>
-          <p:nvPr/>
-        </p:nvSpPr>
-        <p:spPr>
-          <a:xfrm>
-            <a:off x="0" y="5687069"/>
-            <a:ext cx="12192000" cy="1170931"/>
-          </a:xfrm>
-          <a:prstGeom prst="rect">
-            <a:avLst/>
-          </a:prstGeom>
-          <a:solidFill>
-            <a:srgbClr val="F5EEE8"/>
-          </a:solidFill>
-          <a:ln>
-            <a:noFill/>
-          </a:ln>
-        </p:spPr>
-        <p:style>
-          <a:lnRef idx="2">
-            <a:schemeClr val="accent1">
-              <a:shade val="50000"/>
-            </a:schemeClr>
-          </a:lnRef>
-          <a:fillRef idx="1">
-            <a:schemeClr val="accent1"/>
-          </a:fillRef>
-          <a:effectRef idx="0">
-            <a:schemeClr val="accent1"/>
-          </a:effectRef>
-          <a:fontRef idx="minor">
-            <a:schemeClr val="lt1"/>
-          </a:fontRef>
-        </p:style>
-        <p:txBody>
-          <a:bodyPr rtlCol="0" anchor="ctr"/>
-          <a:lstStyle/>
-          <a:p>
-            <a:pPr algn="ctr"/>
-            <a:endParaRPr lang="ko-KR" altLang="en-US"/>
-          </a:p>
-        </p:txBody>
-      </p:sp>
       <p:pic>
         <p:nvPicPr>
-          <p:cNvPr id="2" name="그림 1"/>
+          <p:cNvPr id="10" name=""/>
           <p:cNvPicPr>
             <a:picLocks noChangeAspect="1"/>
           </p:cNvPicPr>
@@ -3951,13 +3267,14 @@
         </p:nvPicPr>
         <p:blipFill rotWithShape="1">
           <a:blip r:embed="rId2"/>
-          <a:srcRect b="1072"/>
-          <a:stretch/>
+          <a:stretch>
+            <a:fillRect/>
+          </a:stretch>
         </p:blipFill>
         <p:spPr>
           <a:xfrm>
-            <a:off x="-1" y="466531"/>
-            <a:ext cx="12192001" cy="5878285"/>
+            <a:off x="11722" y="0"/>
+            <a:ext cx="12180277" cy="6858000"/>
           </a:xfrm>
           <a:prstGeom prst="rect">
             <a:avLst/>
@@ -3965,15 +3282,18 @@
         </p:spPr>
       </p:pic>
     </p:spTree>
-    <p:extLst>
-      <p:ext uri="{BB962C8B-B14F-4D97-AF65-F5344CB8AC3E}">
-        <p14:creationId xmlns:p14="http://schemas.microsoft.com/office/powerpoint/2010/main" val="1607233509"/>
-      </p:ext>
-    </p:extLst>
   </p:cSld>
   <p:clrMapOvr>
     <a:masterClrMapping/>
   </p:clrMapOvr>
+  <mc:AlternateContent xmlns:mc="http://schemas.openxmlformats.org/markup-compatibility/2006">
+    <mc:Choice xmlns:p14="http://schemas.microsoft.com/office/powerpoint/2010/main" Requires="p14">
+      <p:transition xmlns:mc="http://schemas.openxmlformats.org/markup-compatibility/2006" xmlns:p14="http://schemas.microsoft.com/office/powerpoint/2010/main" mc:Ignorable="p14" p14:dur="500"/>
+    </mc:Choice>
+    <mc:Fallback>
+      <p:transition/>
+    </mc:Fallback>
+  </mc:AlternateContent>
   <p:timing>
     <p:tnLst>
       <p:par>
@@ -3985,7 +3305,7 @@
 </file>
 
 <file path=ppt/slides/slide6.xml><?xml version="1.0" encoding="utf-8"?>
-<p:sld xmlns:a="http://schemas.openxmlformats.org/drawingml/2006/main" xmlns:r="http://schemas.openxmlformats.org/officeDocument/2006/relationships" xmlns:p="http://schemas.openxmlformats.org/presentationml/2006/main">
+<p:sld xmlns:r="http://schemas.openxmlformats.org/officeDocument/2006/relationships" xmlns:c="http://schemas.openxmlformats.org/drawingml/2006/chart" xmlns:a="http://schemas.openxmlformats.org/drawingml/2006/main" xmlns:dgm="http://schemas.openxmlformats.org/drawingml/2006/diagram" xmlns:dsp="http://schemas.microsoft.com/office/drawing/2008/diagram" xmlns:p="http://schemas.openxmlformats.org/presentationml/2006/main">
   <p:cSld>
     <p:spTree>
       <p:nvGrpSpPr>
@@ -4001,378 +3321,91 @@
           <a:chExt cx="0" cy="0"/>
         </a:xfrm>
       </p:grpSpPr>
-      <p:sp>
-        <p:nvSpPr>
-          <p:cNvPr id="3" name="직사각형 2"/>
-          <p:cNvSpPr/>
+      <p:pic>
+        <p:nvPicPr>
+          <p:cNvPr id="16" name=""/>
+          <p:cNvPicPr>
+            <a:picLocks noChangeAspect="1"/>
+          </p:cNvPicPr>
           <p:nvPr/>
-        </p:nvSpPr>
+        </p:nvPicPr>
+        <p:blipFill rotWithShape="1">
+          <a:blip r:embed="rId2"/>
+          <a:stretch>
+            <a:fillRect/>
+          </a:stretch>
+        </p:blipFill>
         <p:spPr>
           <a:xfrm>
-            <a:off x="0" y="-23920"/>
-            <a:ext cx="12192000" cy="5995512"/>
+            <a:off x="11722" y="0"/>
+            <a:ext cx="12180277" cy="6858000"/>
+          </a:xfrm>
+          <a:prstGeom prst="rect">
+            <a:avLst/>
+          </a:prstGeom>
+        </p:spPr>
+      </p:pic>
+      <p:sp>
+        <p:nvSpPr>
+          <p:cNvPr id="11" name="TextBox 10"/>
+          <p:cNvSpPr txBox="1"/>
+          <p:nvPr/>
+        </p:nvSpPr>
+        <p:spPr>
+          <a:xfrm>
+            <a:off x="2934196" y="3050143"/>
+            <a:ext cx="4191282" cy="369332"/>
           </a:xfrm>
           <a:prstGeom prst="rect">
             <a:avLst/>
           </a:prstGeom>
           <a:solidFill>
-            <a:srgbClr val="F5EEE8"/>
+            <a:schemeClr val="lt1"/>
           </a:solidFill>
-          <a:ln>
-            <a:noFill/>
-          </a:ln>
         </p:spPr>
-        <p:style>
-          <a:lnRef idx="2">
-            <a:schemeClr val="accent1">
-              <a:shade val="50000"/>
-            </a:schemeClr>
-          </a:lnRef>
-          <a:fillRef idx="1">
-            <a:schemeClr val="accent1"/>
-          </a:fillRef>
-          <a:effectRef idx="0">
-            <a:schemeClr val="accent1"/>
-          </a:effectRef>
-          <a:fontRef idx="minor">
-            <a:schemeClr val="lt1"/>
-          </a:fontRef>
-        </p:style>
-        <p:txBody>
-          <a:bodyPr rtlCol="0" anchor="ctr"/>
-          <a:lstStyle/>
-          <a:p>
-            <a:pPr algn="ctr"/>
-            <a:endParaRPr lang="ko-KR" altLang="en-US" b="1" dirty="0"/>
-          </a:p>
-        </p:txBody>
-      </p:sp>
-      <p:sp>
-        <p:nvSpPr>
-          <p:cNvPr id="8" name="직사각형 7"/>
-          <p:cNvSpPr/>
-          <p:nvPr/>
-        </p:nvSpPr>
-        <p:spPr>
-          <a:xfrm>
-            <a:off x="0" y="5687069"/>
-            <a:ext cx="12192000" cy="1170931"/>
-          </a:xfrm>
-          <a:prstGeom prst="rect">
-            <a:avLst/>
-          </a:prstGeom>
-          <a:solidFill>
-            <a:srgbClr val="F5EEE8"/>
-          </a:solidFill>
-          <a:ln>
-            <a:noFill/>
-          </a:ln>
-        </p:spPr>
-        <p:style>
-          <a:lnRef idx="2">
-            <a:schemeClr val="accent1">
-              <a:shade val="50000"/>
-            </a:schemeClr>
-          </a:lnRef>
-          <a:fillRef idx="1">
-            <a:schemeClr val="accent1"/>
-          </a:fillRef>
-          <a:effectRef idx="0">
-            <a:schemeClr val="accent1"/>
-          </a:effectRef>
-          <a:fontRef idx="minor">
-            <a:schemeClr val="lt1"/>
-          </a:fontRef>
-        </p:style>
-        <p:txBody>
-          <a:bodyPr rtlCol="0" anchor="ctr"/>
-          <a:lstStyle/>
-          <a:p>
-            <a:pPr algn="ctr"/>
-            <a:endParaRPr lang="ko-KR" altLang="en-US"/>
-          </a:p>
-        </p:txBody>
-      </p:sp>
-      <p:grpSp>
-        <p:nvGrpSpPr>
-          <p:cNvPr id="15" name="그룹 14"/>
-          <p:cNvGrpSpPr/>
-          <p:nvPr/>
-        </p:nvGrpSpPr>
-        <p:grpSpPr>
-          <a:xfrm>
-            <a:off x="3136835" y="2216205"/>
-            <a:ext cx="5918330" cy="2425591"/>
-            <a:chOff x="3136835" y="1637907"/>
-            <a:chExt cx="5918330" cy="2425591"/>
-          </a:xfrm>
-        </p:grpSpPr>
-        <p:sp>
-          <p:nvSpPr>
-            <p:cNvPr id="6" name="TextBox 5"/>
-            <p:cNvSpPr txBox="1"/>
-            <p:nvPr/>
-          </p:nvSpPr>
-          <p:spPr>
-            <a:xfrm>
-              <a:off x="4362255" y="1637907"/>
-              <a:ext cx="3439887" cy="584775"/>
-            </a:xfrm>
-            <a:prstGeom prst="rect">
-              <a:avLst/>
-            </a:prstGeom>
-            <a:noFill/>
-          </p:spPr>
-          <p:txBody>
-            <a:bodyPr wrap="square" rtlCol="0">
-              <a:spAutoFit/>
-            </a:bodyPr>
-            <a:lstStyle/>
-            <a:p>
-              <a:pPr algn="ctr"/>
-              <a:r>
-                <a:rPr lang="ko-KR" altLang="en-US" sz="3200" b="1" dirty="0" smtClean="0">
-                  <a:latin typeface="+mj-lt"/>
-                  <a:ea typeface="나눔스퀘어 네오 ExtraBold" panose="00000900000000000000" pitchFamily="2" charset="-127"/>
-                </a:rPr>
-                <a:t>더 자세한 내용은</a:t>
-              </a:r>
-              <a:r>
-                <a:rPr lang="en-US" altLang="ko-KR" sz="3200" b="1" dirty="0" smtClean="0">
-                  <a:latin typeface="+mj-lt"/>
-                  <a:ea typeface="나눔스퀘어 네오 ExtraBold" panose="00000900000000000000" pitchFamily="2" charset="-127"/>
-                </a:rPr>
-                <a:t>?!</a:t>
-              </a:r>
-            </a:p>
-          </p:txBody>
-        </p:sp>
-        <p:grpSp>
-          <p:nvGrpSpPr>
-            <p:cNvPr id="14" name="그룹 13"/>
-            <p:cNvGrpSpPr/>
-            <p:nvPr/>
-          </p:nvGrpSpPr>
-          <p:grpSpPr>
-            <a:xfrm>
-              <a:off x="3303040" y="2534294"/>
-              <a:ext cx="5585920" cy="629244"/>
-              <a:chOff x="3582955" y="2543164"/>
-              <a:chExt cx="4721290" cy="531845"/>
-            </a:xfrm>
-          </p:grpSpPr>
-          <p:sp>
-            <p:nvSpPr>
-              <p:cNvPr id="5" name="직사각형 4"/>
-              <p:cNvSpPr/>
-              <p:nvPr/>
-            </p:nvSpPr>
-            <p:spPr>
-              <a:xfrm>
-                <a:off x="3582955" y="2543164"/>
-                <a:ext cx="4721290" cy="531845"/>
-              </a:xfrm>
-              <a:prstGeom prst="rect">
-                <a:avLst/>
-              </a:prstGeom>
-              <a:ln w="57150">
+        <p:txBody>
+          <a:bodyPr wrap="square">
+            <a:spAutoFit/>
+          </a:bodyPr>
+          <a:lstStyle/>
+          <a:p>
+            <a:pPr lvl="0">
+              <a:defRPr/>
+            </a:pPr>
+            <a:r>
+              <a:rPr lang="en-US" altLang="ko-KR" b="1">
                 <a:solidFill>
-                  <a:srgbClr val="2D2D2D"/>
+                  <a:schemeClr val="tx1"/>
                 </a:solidFill>
-              </a:ln>
-            </p:spPr>
-            <p:style>
-              <a:lnRef idx="2">
-                <a:schemeClr val="accent2"/>
-              </a:lnRef>
-              <a:fillRef idx="1">
-                <a:schemeClr val="lt1"/>
-              </a:fillRef>
-              <a:effectRef idx="0">
-                <a:schemeClr val="accent2"/>
-              </a:effectRef>
-              <a:fontRef idx="minor">
-                <a:schemeClr val="dk1"/>
-              </a:fontRef>
-            </p:style>
-            <p:txBody>
-              <a:bodyPr rtlCol="0" anchor="ctr"/>
-              <a:lstStyle/>
-              <a:p>
-                <a:pPr algn="ctr"/>
-                <a:r>
-                  <a:rPr lang="en-US" altLang="ko-KR" dirty="0" smtClean="0"/>
-                  <a:t> </a:t>
-                </a:r>
-                <a:endParaRPr lang="ko-KR" altLang="en-US" dirty="0"/>
-              </a:p>
-            </p:txBody>
-          </p:sp>
-          <p:sp>
-            <p:nvSpPr>
-              <p:cNvPr id="7" name="직사각형 6"/>
-              <p:cNvSpPr/>
-              <p:nvPr/>
-            </p:nvSpPr>
-            <p:spPr>
-              <a:xfrm>
-                <a:off x="7800392" y="2543164"/>
-                <a:ext cx="503853" cy="517277"/>
-              </a:xfrm>
-              <a:prstGeom prst="rect">
-                <a:avLst/>
-              </a:prstGeom>
+                <a:latin typeface="나눔스퀘어 네오 ExtraBold"/>
+                <a:ea typeface="나눔스퀘어 네오 ExtraBold"/>
+                <a:hlinkClick r:id="rId3"/>
+              </a:rPr>
+              <a:t>https://kjgrt33.github.io</a:t>
+            </a:r>
+            <a:endParaRPr lang="en-US" altLang="ko-KR" b="1">
               <a:solidFill>
-                <a:srgbClr val="2D2D2D"/>
+                <a:schemeClr val="tx1"/>
               </a:solidFill>
-              <a:ln>
-                <a:noFill/>
-              </a:ln>
-            </p:spPr>
-            <p:style>
-              <a:lnRef idx="2">
-                <a:schemeClr val="accent1">
-                  <a:shade val="50000"/>
-                </a:schemeClr>
-              </a:lnRef>
-              <a:fillRef idx="1">
-                <a:schemeClr val="accent1"/>
-              </a:fillRef>
-              <a:effectRef idx="0">
-                <a:schemeClr val="accent1"/>
-              </a:effectRef>
-              <a:fontRef idx="minor">
-                <a:schemeClr val="lt1"/>
-              </a:fontRef>
-            </p:style>
-            <p:txBody>
-              <a:bodyPr rtlCol="0" anchor="ctr"/>
-              <a:lstStyle/>
-              <a:p>
-                <a:pPr algn="ctr"/>
-                <a:endParaRPr lang="ko-KR" altLang="en-US"/>
-              </a:p>
-            </p:txBody>
-          </p:sp>
-          <p:pic>
-            <p:nvPicPr>
-              <p:cNvPr id="9" name="그림 8"/>
-              <p:cNvPicPr>
-                <a:picLocks noChangeAspect="1"/>
-              </p:cNvPicPr>
-              <p:nvPr/>
-            </p:nvPicPr>
-            <p:blipFill>
-              <a:blip r:embed="rId2">
-                <a:extLst>
-                  <a:ext uri="{28A0092B-C50C-407E-A947-70E740481C1C}">
-                    <a14:useLocalDpi xmlns:a14="http://schemas.microsoft.com/office/drawing/2010/main" val="0"/>
-                  </a:ext>
-                </a:extLst>
-              </a:blip>
-              <a:stretch>
-                <a:fillRect/>
-              </a:stretch>
-            </p:blipFill>
-            <p:spPr>
-              <a:xfrm>
-                <a:off x="7875911" y="2616064"/>
-                <a:ext cx="371475" cy="371475"/>
-              </a:xfrm>
-              <a:prstGeom prst="rect">
-                <a:avLst/>
-              </a:prstGeom>
-            </p:spPr>
-          </p:pic>
-          <p:sp>
-            <p:nvSpPr>
-              <p:cNvPr id="11" name="TextBox 10"/>
-              <p:cNvSpPr txBox="1"/>
-              <p:nvPr/>
-            </p:nvSpPr>
-            <p:spPr>
-              <a:xfrm>
-                <a:off x="3673737" y="2640330"/>
-                <a:ext cx="3542524" cy="312164"/>
-              </a:xfrm>
-              <a:prstGeom prst="rect">
-                <a:avLst/>
-              </a:prstGeom>
-              <a:noFill/>
-            </p:spPr>
-            <p:txBody>
-              <a:bodyPr wrap="square" rtlCol="0">
-                <a:spAutoFit/>
-              </a:bodyPr>
-              <a:lstStyle/>
-              <a:p>
-                <a:r>
-                  <a:rPr lang="en-US" altLang="ko-KR" b="1" dirty="0" smtClean="0">
-                    <a:latin typeface="나눔스퀘어 네오 ExtraBold" panose="00000900000000000000" pitchFamily="2" charset="-127"/>
-                    <a:ea typeface="나눔스퀘어 네오 ExtraBold" panose="00000900000000000000" pitchFamily="2" charset="-127"/>
-                    <a:hlinkClick r:id="rId3"/>
-                  </a:rPr>
-                  <a:t>https://kjgrt33.github.io</a:t>
-                </a:r>
-                <a:endParaRPr lang="en-US" altLang="ko-KR" b="1" dirty="0" smtClean="0">
-                  <a:latin typeface="나눔스퀘어 네오 ExtraBold" panose="00000900000000000000" pitchFamily="2" charset="-127"/>
-                  <a:ea typeface="나눔스퀘어 네오 ExtraBold" panose="00000900000000000000" pitchFamily="2" charset="-127"/>
-                </a:endParaRPr>
-              </a:p>
-            </p:txBody>
-          </p:sp>
-        </p:grpSp>
-        <p:sp>
-          <p:nvSpPr>
-            <p:cNvPr id="13" name="TextBox 12"/>
-            <p:cNvSpPr txBox="1"/>
-            <p:nvPr/>
-          </p:nvSpPr>
-          <p:spPr>
-            <a:xfrm>
-              <a:off x="3136835" y="3478723"/>
-              <a:ext cx="5918330" cy="584775"/>
-            </a:xfrm>
-            <a:prstGeom prst="rect">
-              <a:avLst/>
-            </a:prstGeom>
-            <a:noFill/>
-          </p:spPr>
-          <p:txBody>
-            <a:bodyPr wrap="square" rtlCol="0">
-              <a:spAutoFit/>
-            </a:bodyPr>
-            <a:lstStyle/>
-            <a:p>
-              <a:pPr algn="ctr"/>
-              <a:r>
-                <a:rPr lang="ko-KR" altLang="en-US" sz="3200" b="1" dirty="0" smtClean="0">
-                  <a:latin typeface="나눔스퀘어 네오 ExtraBold" panose="00000900000000000000" pitchFamily="2" charset="-127"/>
-                  <a:ea typeface="나눔스퀘어 네오 ExtraBold" panose="00000900000000000000" pitchFamily="2" charset="-127"/>
-                </a:rPr>
-                <a:t>저의 포트폴리오를 방문해주세요</a:t>
-              </a:r>
-              <a:r>
-                <a:rPr lang="en-US" altLang="ko-KR" sz="3200" b="1" dirty="0" smtClean="0">
-                  <a:latin typeface="나눔스퀘어 네오 ExtraBold" panose="00000900000000000000" pitchFamily="2" charset="-127"/>
-                  <a:ea typeface="나눔스퀘어 네오 ExtraBold" panose="00000900000000000000" pitchFamily="2" charset="-127"/>
-                </a:rPr>
-                <a:t>!</a:t>
-              </a:r>
-            </a:p>
-          </p:txBody>
-        </p:sp>
-      </p:grpSp>
+              <a:latin typeface="나눔스퀘어 네오 ExtraBold"/>
+              <a:ea typeface="나눔스퀘어 네오 ExtraBold"/>
+            </a:endParaRPr>
+          </a:p>
+        </p:txBody>
+      </p:sp>
     </p:spTree>
-    <p:extLst>
-      <p:ext uri="{BB962C8B-B14F-4D97-AF65-F5344CB8AC3E}">
-        <p14:creationId xmlns:p14="http://schemas.microsoft.com/office/powerpoint/2010/main" val="2869309764"/>
-      </p:ext>
-    </p:extLst>
   </p:cSld>
   <p:clrMapOvr>
     <a:masterClrMapping/>
   </p:clrMapOvr>
+  <mc:AlternateContent xmlns:mc="http://schemas.openxmlformats.org/markup-compatibility/2006">
+    <mc:Choice xmlns:p14="http://schemas.microsoft.com/office/powerpoint/2010/main" Requires="p14">
+      <p:transition xmlns:mc="http://schemas.openxmlformats.org/markup-compatibility/2006" xmlns:p14="http://schemas.microsoft.com/office/powerpoint/2010/main" mc:Ignorable="p14" p14:dur="500"/>
+    </mc:Choice>
+    <mc:Fallback>
+      <p:transition/>
+    </mc:Fallback>
+  </mc:AlternateContent>
   <p:timing>
     <p:tnLst>
       <p:par>
